--- a/시스템 프로그래밍 C반 2팀 ppt.pptx
+++ b/시스템 프로그래밍 C반 2팀 ppt.pptx
@@ -386,6 +386,11 @@
         </p:txBody>
       </p:sp>
     </p:spTree>
+    <p:extLst>
+      <p:ext uri="{BB962C8B-B14F-4D97-AF65-F5344CB8AC3E}">
+        <p14:creationId xmlns:p14="http://schemas.microsoft.com/office/powerpoint/2010/main" val="4184124823"/>
+      </p:ext>
+    </p:extLst>
   </p:cSld>
   <p:clrMap bg1="lt1" tx1="dk1" bg2="lt2" tx2="dk2" accent1="accent1" accent2="accent2" accent3="accent3" accent4="accent4" accent5="accent5" accent6="accent6" hlink="hlink" folHlink="folHlink"/>
   <p:hf hdr="0" ftr="0" dt="0"/>
@@ -575,6 +580,11 @@
         </p:txBody>
       </p:sp>
     </p:spTree>
+    <p:extLst>
+      <p:ext uri="{BB962C8B-B14F-4D97-AF65-F5344CB8AC3E}">
+        <p14:creationId xmlns:p14="http://schemas.microsoft.com/office/powerpoint/2010/main" val="489297836"/>
+      </p:ext>
+    </p:extLst>
   </p:cSld>
   <p:clrMapOvr>
     <a:masterClrMapping/>
@@ -879,6 +889,11 @@
         </p:txBody>
       </p:sp>
     </p:spTree>
+    <p:extLst>
+      <p:ext uri="{BB962C8B-B14F-4D97-AF65-F5344CB8AC3E}">
+        <p14:creationId xmlns:p14="http://schemas.microsoft.com/office/powerpoint/2010/main" val="2946206819"/>
+      </p:ext>
+    </p:extLst>
   </p:cSld>
   <p:clrMapOvr>
     <a:masterClrMapping/>
@@ -977,6 +992,11 @@
         </p:txBody>
       </p:sp>
     </p:spTree>
+    <p:extLst>
+      <p:ext uri="{BB962C8B-B14F-4D97-AF65-F5344CB8AC3E}">
+        <p14:creationId xmlns:p14="http://schemas.microsoft.com/office/powerpoint/2010/main" val="2857028266"/>
+      </p:ext>
+    </p:extLst>
   </p:cSld>
   <p:clrMapOvr>
     <a:masterClrMapping/>
@@ -1075,6 +1095,11 @@
         </p:txBody>
       </p:sp>
     </p:spTree>
+    <p:extLst>
+      <p:ext uri="{BB962C8B-B14F-4D97-AF65-F5344CB8AC3E}">
+        <p14:creationId xmlns:p14="http://schemas.microsoft.com/office/powerpoint/2010/main" val="3881374086"/>
+      </p:ext>
+    </p:extLst>
   </p:cSld>
   <p:clrMapOvr>
     <a:masterClrMapping/>
@@ -1173,6 +1198,11 @@
         </p:txBody>
       </p:sp>
     </p:spTree>
+    <p:extLst>
+      <p:ext uri="{BB962C8B-B14F-4D97-AF65-F5344CB8AC3E}">
+        <p14:creationId xmlns:p14="http://schemas.microsoft.com/office/powerpoint/2010/main" val="3421897935"/>
+      </p:ext>
+    </p:extLst>
   </p:cSld>
   <p:clrMapOvr>
     <a:masterClrMapping/>
@@ -1271,6 +1301,11 @@
         </p:txBody>
       </p:sp>
     </p:spTree>
+    <p:extLst>
+      <p:ext uri="{BB962C8B-B14F-4D97-AF65-F5344CB8AC3E}">
+        <p14:creationId xmlns:p14="http://schemas.microsoft.com/office/powerpoint/2010/main" val="3761034330"/>
+      </p:ext>
+    </p:extLst>
   </p:cSld>
   <p:clrMapOvr>
     <a:masterClrMapping/>
@@ -4928,7 +4963,7 @@
           <a:p>
             <a:pPr algn="ctr"/>
             <a:r>
-              <a:rPr lang="ko-KR" altLang="en-US" sz="2267" b="1">
+              <a:rPr lang="ko-KR" altLang="en-US" sz="2267" b="1" dirty="0">
                 <a:solidFill>
                   <a:schemeClr val="tx1">
                     <a:lumMod val="85000"/>
@@ -4940,6 +4975,216 @@
               </a:rPr>
               <a:t>뱀 꼬리 잡기 게임</a:t>
             </a:r>
+          </a:p>
+        </p:txBody>
+      </p:sp>
+      <p:sp>
+        <p:nvSpPr>
+          <p:cNvPr id="11" name="TextBox 10"/>
+          <p:cNvSpPr txBox="1"/>
+          <p:nvPr/>
+        </p:nvSpPr>
+        <p:spPr>
+          <a:xfrm>
+            <a:off x="313996" y="5021279"/>
+            <a:ext cx="5472608" cy="1836721"/>
+          </a:xfrm>
+          <a:prstGeom prst="rect">
+            <a:avLst/>
+          </a:prstGeom>
+          <a:noFill/>
+        </p:spPr>
+        <p:txBody>
+          <a:bodyPr wrap="square">
+            <a:spAutoFit/>
+          </a:bodyPr>
+          <a:lstStyle/>
+          <a:p>
+            <a:r>
+              <a:rPr lang="en-US" altLang="ko-KR" sz="2267" dirty="0" smtClean="0">
+                <a:solidFill>
+                  <a:schemeClr val="tx1">
+                    <a:lumMod val="85000"/>
+                    <a:lumOff val="15000"/>
+                  </a:schemeClr>
+                </a:solidFill>
+                <a:latin typeface="+mj-ea"/>
+              </a:rPr>
+              <a:t>2011097066</a:t>
+            </a:r>
+            <a:r>
+              <a:rPr lang="en-US" altLang="ko-KR" sz="2267" dirty="0" smtClean="0">
+                <a:solidFill>
+                  <a:schemeClr val="tx1">
+                    <a:lumMod val="85000"/>
+                    <a:lumOff val="15000"/>
+                  </a:schemeClr>
+                </a:solidFill>
+                <a:latin typeface="+mj-ea"/>
+                <a:ea typeface="+mj-ea"/>
+              </a:rPr>
+              <a:t> </a:t>
+            </a:r>
+            <a:r>
+              <a:rPr lang="ko-KR" altLang="en-US" sz="2267" dirty="0" smtClean="0">
+                <a:solidFill>
+                  <a:schemeClr val="tx1">
+                    <a:lumMod val="85000"/>
+                    <a:lumOff val="15000"/>
+                  </a:schemeClr>
+                </a:solidFill>
+                <a:latin typeface="+mj-ea"/>
+                <a:ea typeface="+mj-ea"/>
+              </a:rPr>
+              <a:t>임대일</a:t>
+            </a:r>
+            <a:endParaRPr lang="ko-KR" altLang="en-US" sz="2267" dirty="0">
+              <a:solidFill>
+                <a:schemeClr val="tx1">
+                  <a:lumMod val="85000"/>
+                  <a:lumOff val="15000"/>
+                </a:schemeClr>
+              </a:solidFill>
+              <a:latin typeface="+mj-ea"/>
+              <a:ea typeface="+mj-ea"/>
+            </a:endParaRPr>
+          </a:p>
+          <a:p>
+            <a:r>
+              <a:rPr lang="en-US" altLang="ko-KR" sz="2267" dirty="0" smtClean="0">
+                <a:solidFill>
+                  <a:schemeClr val="tx1">
+                    <a:lumMod val="85000"/>
+                    <a:lumOff val="15000"/>
+                  </a:schemeClr>
+                </a:solidFill>
+                <a:latin typeface="+mj-ea"/>
+              </a:rPr>
+              <a:t>2013097040 </a:t>
+            </a:r>
+            <a:r>
+              <a:rPr lang="ko-KR" altLang="en-US" sz="2267" dirty="0" smtClean="0">
+                <a:solidFill>
+                  <a:schemeClr val="tx1">
+                    <a:lumMod val="85000"/>
+                    <a:lumOff val="15000"/>
+                  </a:schemeClr>
+                </a:solidFill>
+                <a:latin typeface="+mj-ea"/>
+                <a:ea typeface="+mj-ea"/>
+              </a:rPr>
+              <a:t>성민규</a:t>
+            </a:r>
+            <a:endParaRPr lang="ko-KR" altLang="en-US" sz="2267" dirty="0">
+              <a:solidFill>
+                <a:schemeClr val="tx1">
+                  <a:lumMod val="85000"/>
+                  <a:lumOff val="15000"/>
+                </a:schemeClr>
+              </a:solidFill>
+              <a:latin typeface="+mj-ea"/>
+              <a:ea typeface="+mj-ea"/>
+            </a:endParaRPr>
+          </a:p>
+          <a:p>
+            <a:r>
+              <a:rPr lang="en-US" altLang="ko-KR" sz="2267" dirty="0" smtClean="0">
+                <a:solidFill>
+                  <a:schemeClr val="tx1">
+                    <a:lumMod val="85000"/>
+                    <a:lumOff val="15000"/>
+                  </a:schemeClr>
+                </a:solidFill>
+                <a:latin typeface="+mj-ea"/>
+                <a:ea typeface="+mj-ea"/>
+              </a:rPr>
+              <a:t>2013105029 </a:t>
+            </a:r>
+            <a:r>
+              <a:rPr lang="ko-KR" altLang="en-US" sz="2267" dirty="0" smtClean="0">
+                <a:solidFill>
+                  <a:schemeClr val="tx1">
+                    <a:lumMod val="85000"/>
+                    <a:lumOff val="15000"/>
+                  </a:schemeClr>
+                </a:solidFill>
+                <a:latin typeface="+mj-ea"/>
+                <a:ea typeface="+mj-ea"/>
+              </a:rPr>
+              <a:t>김태진</a:t>
+            </a:r>
+            <a:endParaRPr lang="ko-KR" altLang="en-US" sz="2267" dirty="0">
+              <a:solidFill>
+                <a:schemeClr val="tx1">
+                  <a:lumMod val="85000"/>
+                  <a:lumOff val="15000"/>
+                </a:schemeClr>
+              </a:solidFill>
+              <a:latin typeface="+mj-ea"/>
+              <a:ea typeface="+mj-ea"/>
+            </a:endParaRPr>
+          </a:p>
+          <a:p>
+            <a:r>
+              <a:rPr lang="en-US" altLang="ko-KR" sz="2267" dirty="0">
+                <a:solidFill>
+                  <a:schemeClr val="tx1">
+                    <a:lumMod val="85000"/>
+                    <a:lumOff val="15000"/>
+                  </a:schemeClr>
+                </a:solidFill>
+                <a:latin typeface="+mj-ea"/>
+              </a:rPr>
+              <a:t>2015112731 </a:t>
+            </a:r>
+            <a:r>
+              <a:rPr lang="ko-KR" altLang="en-US" sz="2267" dirty="0" err="1" smtClean="0">
+                <a:solidFill>
+                  <a:schemeClr val="tx1">
+                    <a:lumMod val="85000"/>
+                    <a:lumOff val="15000"/>
+                  </a:schemeClr>
+                </a:solidFill>
+                <a:latin typeface="+mj-ea"/>
+                <a:ea typeface="+mj-ea"/>
+              </a:rPr>
+              <a:t>차예백</a:t>
+            </a:r>
+            <a:endParaRPr lang="ko-KR" altLang="en-US" sz="2267" dirty="0">
+              <a:solidFill>
+                <a:schemeClr val="tx1">
+                  <a:lumMod val="85000"/>
+                  <a:lumOff val="15000"/>
+                </a:schemeClr>
+              </a:solidFill>
+              <a:latin typeface="+mj-ea"/>
+              <a:ea typeface="+mj-ea"/>
+            </a:endParaRPr>
+          </a:p>
+          <a:p>
+            <a:r>
+              <a:rPr lang="en-US" altLang="ko-KR" sz="2267" dirty="0">
+                <a:solidFill>
+                  <a:schemeClr val="tx1">
+                    <a:lumMod val="85000"/>
+                    <a:lumOff val="15000"/>
+                  </a:schemeClr>
+                </a:solidFill>
+                <a:latin typeface="+mj-ea"/>
+                <a:ea typeface="+mj-ea"/>
+              </a:rPr>
+              <a:t>	</a:t>
+            </a:r>
+            <a:endParaRPr lang="ko-KR" altLang="en-US" sz="2267" dirty="0">
+              <a:solidFill>
+                <a:schemeClr val="tx1">
+                  <a:lumMod val="85000"/>
+                  <a:lumOff val="15000"/>
+                </a:schemeClr>
+              </a:solidFill>
+              <a:latin typeface="+mj-ea"/>
+              <a:ea typeface="+mj-ea"/>
+            </a:endParaRPr>
           </a:p>
         </p:txBody>
       </p:sp>
@@ -5805,28 +6050,28 @@
                 <a:gridCol w="810090">
                   <a:extLst>
                     <a:ext uri="{9D8B030D-6E8A-4147-A177-3AD203B41FA5}">
-                      <a16:colId xmlns:a16="http://schemas.microsoft.com/office/drawing/2014/main" val="20000"/>
+                      <a16:colId xmlns:a16="http://schemas.microsoft.com/office/drawing/2014/main" xmlns="" val="20000"/>
                     </a:ext>
                   </a:extLst>
                 </a:gridCol>
                 <a:gridCol w="810090">
                   <a:extLst>
                     <a:ext uri="{9D8B030D-6E8A-4147-A177-3AD203B41FA5}">
-                      <a16:colId xmlns:a16="http://schemas.microsoft.com/office/drawing/2014/main" val="20001"/>
+                      <a16:colId xmlns:a16="http://schemas.microsoft.com/office/drawing/2014/main" xmlns="" val="20001"/>
                     </a:ext>
                   </a:extLst>
                 </a:gridCol>
                 <a:gridCol w="810090">
                   <a:extLst>
                     <a:ext uri="{9D8B030D-6E8A-4147-A177-3AD203B41FA5}">
-                      <a16:colId xmlns:a16="http://schemas.microsoft.com/office/drawing/2014/main" val="20002"/>
+                      <a16:colId xmlns:a16="http://schemas.microsoft.com/office/drawing/2014/main" xmlns="" val="20002"/>
                     </a:ext>
                   </a:extLst>
                 </a:gridCol>
                 <a:gridCol w="810090">
                   <a:extLst>
                     <a:ext uri="{9D8B030D-6E8A-4147-A177-3AD203B41FA5}">
-                      <a16:colId xmlns:a16="http://schemas.microsoft.com/office/drawing/2014/main" val="20003"/>
+                      <a16:colId xmlns:a16="http://schemas.microsoft.com/office/drawing/2014/main" xmlns="" val="20003"/>
                     </a:ext>
                   </a:extLst>
                 </a:gridCol>
@@ -5878,7 +6123,7 @@
                 </a:tc>
                 <a:extLst>
                   <a:ext uri="{0D108BD9-81ED-4DB2-BD59-A6C34878D82A}">
-                    <a16:rowId xmlns:a16="http://schemas.microsoft.com/office/drawing/2014/main" val="10000"/>
+                    <a16:rowId xmlns:a16="http://schemas.microsoft.com/office/drawing/2014/main" xmlns="" val="10000"/>
                   </a:ext>
                 </a:extLst>
               </a:tr>
@@ -6242,28 +6487,28 @@
                 <a:gridCol w="810090">
                   <a:extLst>
                     <a:ext uri="{9D8B030D-6E8A-4147-A177-3AD203B41FA5}">
-                      <a16:colId xmlns:a16="http://schemas.microsoft.com/office/drawing/2014/main" val="20000"/>
+                      <a16:colId xmlns:a16="http://schemas.microsoft.com/office/drawing/2014/main" xmlns="" val="20000"/>
                     </a:ext>
                   </a:extLst>
                 </a:gridCol>
                 <a:gridCol w="810090">
                   <a:extLst>
                     <a:ext uri="{9D8B030D-6E8A-4147-A177-3AD203B41FA5}">
-                      <a16:colId xmlns:a16="http://schemas.microsoft.com/office/drawing/2014/main" val="20001"/>
+                      <a16:colId xmlns:a16="http://schemas.microsoft.com/office/drawing/2014/main" xmlns="" val="20001"/>
                     </a:ext>
                   </a:extLst>
                 </a:gridCol>
                 <a:gridCol w="810090">
                   <a:extLst>
                     <a:ext uri="{9D8B030D-6E8A-4147-A177-3AD203B41FA5}">
-                      <a16:colId xmlns:a16="http://schemas.microsoft.com/office/drawing/2014/main" val="20002"/>
+                      <a16:colId xmlns:a16="http://schemas.microsoft.com/office/drawing/2014/main" xmlns="" val="20002"/>
                     </a:ext>
                   </a:extLst>
                 </a:gridCol>
                 <a:gridCol w="810090">
                   <a:extLst>
                     <a:ext uri="{9D8B030D-6E8A-4147-A177-3AD203B41FA5}">
-                      <a16:colId xmlns:a16="http://schemas.microsoft.com/office/drawing/2014/main" val="20003"/>
+                      <a16:colId xmlns:a16="http://schemas.microsoft.com/office/drawing/2014/main" xmlns="" val="20003"/>
                     </a:ext>
                   </a:extLst>
                 </a:gridCol>
@@ -6315,7 +6560,7 @@
                 </a:tc>
                 <a:extLst>
                   <a:ext uri="{0D108BD9-81ED-4DB2-BD59-A6C34878D82A}">
-                    <a16:rowId xmlns:a16="http://schemas.microsoft.com/office/drawing/2014/main" val="10000"/>
+                    <a16:rowId xmlns:a16="http://schemas.microsoft.com/office/drawing/2014/main" xmlns="" val="10000"/>
                   </a:ext>
                 </a:extLst>
               </a:tr>
@@ -17962,11 +18207,7 @@
             </a:pPr>
             <a:r>
               <a:rPr lang="ko-KR" altLang="en-US" dirty="0" smtClean="0"/>
-              <a:t>플레이어 별 스코어 및 날짜 기록</a:t>
-            </a:r>
-            <a:r>
-              <a:rPr lang="ko-KR" altLang="en-US" dirty="0" smtClean="0"/>
-              <a:t> </a:t>
+              <a:t>플레이어 별 스코어 및 날짜 기록 </a:t>
             </a:r>
             <a:r>
               <a:rPr lang="ko-KR" altLang="en-US" dirty="0"/>
@@ -18104,15 +18345,7 @@
                   <a:srgbClr val="222A35"/>
                 </a:solidFill>
               </a:rPr>
-              <a:t>종료</a:t>
-            </a:r>
-            <a:r>
-              <a:rPr lang="ko-KR" altLang="en-US" sz="3000" b="1" dirty="0" smtClean="0">
-                <a:solidFill>
-                  <a:srgbClr val="222A35"/>
-                </a:solidFill>
-              </a:rPr>
-              <a:t> 화면</a:t>
+              <a:t>종료 화면</a:t>
             </a:r>
             <a:endParaRPr lang="ko-KR" altLang="en-US" sz="3000" b="1" dirty="0">
               <a:solidFill>
